--- a/powerpoint.ppt.pptx
+++ b/powerpoint.ppt.pptx
@@ -3094,7 +3094,7 @@
           <a:p>
             <a:r>
               <a:rPr lang="en-US" dirty="0" smtClean="0"/>
-              <a:t>Objective</a:t>
+              <a:t>Question</a:t>
             </a:r>
             <a:endParaRPr lang="en-US" dirty="0"/>
           </a:p>
@@ -3112,8 +3112,19 @@
         </p:nvSpPr>
         <p:spPr/>
         <p:txBody>
-          <a:bodyPr/>
-          <a:lstStyle/>
+          <a:bodyPr>
+            <a:normAutofit lnSpcReduction="10000"/>
+          </a:bodyPr>
+          <a:lstStyle/>
+          <a:p>
+            <a:pPr marL="0" indent="0">
+              <a:buNone/>
+            </a:pPr>
+            <a:r>
+              <a:rPr lang="en-US" b="1" dirty="0" smtClean="0"/>
+              <a:t>Goals:</a:t>
+            </a:r>
+          </a:p>
           <a:p>
             <a:r>
               <a:rPr lang="en-US" dirty="0" smtClean="0"/>
@@ -3141,7 +3152,14 @@
             </a:r>
           </a:p>
           <a:p>
-            <a:endParaRPr lang="en-US" dirty="0"/>
+            <a:pPr marL="0" indent="0">
+              <a:buNone/>
+            </a:pPr>
+            <a:r>
+              <a:rPr lang="en-US" b="1" dirty="0" smtClean="0"/>
+              <a:t>Questions:</a:t>
+            </a:r>
+            <a:endParaRPr lang="en-US" b="1" dirty="0"/>
           </a:p>
           <a:p>
             <a:r>
@@ -3155,7 +3173,7 @@
               <a:t>How much food consumption “balances” </a:t>
             </a:r>
             <a:r>
-              <a:rPr lang="en-US" i="1" dirty="0"/>
+              <a:rPr lang="en-US" i="1" dirty="0" smtClean="0"/>
               <a:t>n</a:t>
             </a:r>
             <a:r>
@@ -3237,7 +3255,7 @@
         <p:spPr>
           <a:xfrm>
             <a:off x="5888183" y="1978025"/>
-            <a:ext cx="4897582" cy="4351338"/>
+            <a:ext cx="4897582" cy="2560724"/>
           </a:xfrm>
         </p:spPr>
         <p:txBody>
@@ -3255,21 +3273,14 @@
           <a:p>
             <a:r>
               <a:rPr lang="en-US" dirty="0" smtClean="0"/>
-              <a:t>Stomach – Small intestine – Lean body mass</a:t>
+              <a:t>Considers organs </a:t>
             </a:r>
           </a:p>
           <a:p>
             <a:r>
               <a:rPr lang="en-US" dirty="0" smtClean="0"/>
-              <a:t>Continuous weight gain</a:t>
-            </a:r>
-          </a:p>
-          <a:p>
-            <a:r>
-              <a:rPr lang="en-US" dirty="0" smtClean="0"/>
-              <a:t>FILL IN FUNCTIONS!!!!!111!!!</a:t>
-            </a:r>
-            <a:endParaRPr lang="en-US" dirty="0"/>
+              <a:t>Weight gain happens over time</a:t>
+            </a:r>
           </a:p>
         </p:txBody>
       </p:sp>
@@ -3284,7 +3295,7 @@
         <p:spPr>
           <a:xfrm>
             <a:off x="990601" y="1978025"/>
-            <a:ext cx="4897582" cy="4351338"/>
+            <a:ext cx="4897582" cy="2452659"/>
           </a:xfrm>
           <a:prstGeom prst="rect">
             <a:avLst/>
@@ -3489,6 +3500,610 @@
           </a:p>
         </p:txBody>
       </p:sp>
+      <p:sp>
+        <p:nvSpPr>
+          <p:cNvPr id="6" name="Rectangle 5"/>
+          <p:cNvSpPr/>
+          <p:nvPr/>
+        </p:nvSpPr>
+        <p:spPr>
+          <a:xfrm>
+            <a:off x="5605549" y="4595062"/>
+            <a:ext cx="1493519" cy="847897"/>
+          </a:xfrm>
+          <a:prstGeom prst="rect">
+            <a:avLst/>
+          </a:prstGeom>
+          <a:ln/>
+        </p:spPr>
+        <p:style>
+          <a:lnRef idx="2">
+            <a:schemeClr val="dk1"/>
+          </a:lnRef>
+          <a:fillRef idx="1">
+            <a:schemeClr val="lt1"/>
+          </a:fillRef>
+          <a:effectRef idx="0">
+            <a:schemeClr val="dk1"/>
+          </a:effectRef>
+          <a:fontRef idx="minor">
+            <a:schemeClr val="dk1"/>
+          </a:fontRef>
+        </p:style>
+        <p:txBody>
+          <a:bodyPr rtlCol="0" anchor="ctr"/>
+          <a:lstStyle/>
+          <a:p>
+            <a:pPr algn="ctr"/>
+            <a:r>
+              <a:rPr lang="en-US" dirty="0" smtClean="0"/>
+              <a:t>Stomach </a:t>
+            </a:r>
+            <a:endParaRPr lang="en-US" dirty="0"/>
+          </a:p>
+        </p:txBody>
+      </p:sp>
+      <p:sp>
+        <p:nvSpPr>
+          <p:cNvPr id="7" name="Rectangle 6"/>
+          <p:cNvSpPr/>
+          <p:nvPr/>
+        </p:nvSpPr>
+        <p:spPr>
+          <a:xfrm>
+            <a:off x="7550035" y="4599622"/>
+            <a:ext cx="1573877" cy="843337"/>
+          </a:xfrm>
+          <a:prstGeom prst="rect">
+            <a:avLst/>
+          </a:prstGeom>
+        </p:spPr>
+        <p:style>
+          <a:lnRef idx="2">
+            <a:schemeClr val="dk1"/>
+          </a:lnRef>
+          <a:fillRef idx="1">
+            <a:schemeClr val="lt1"/>
+          </a:fillRef>
+          <a:effectRef idx="0">
+            <a:schemeClr val="dk1"/>
+          </a:effectRef>
+          <a:fontRef idx="minor">
+            <a:schemeClr val="dk1"/>
+          </a:fontRef>
+        </p:style>
+        <p:txBody>
+          <a:bodyPr rtlCol="0" anchor="ctr"/>
+          <a:lstStyle/>
+          <a:p>
+            <a:pPr algn="ctr"/>
+            <a:r>
+              <a:rPr lang="en-US" dirty="0" smtClean="0"/>
+              <a:t>Small Intestine</a:t>
+            </a:r>
+            <a:endParaRPr lang="en-US" dirty="0"/>
+          </a:p>
+        </p:txBody>
+      </p:sp>
+      <p:sp>
+        <p:nvSpPr>
+          <p:cNvPr id="8" name="Rectangle 7"/>
+          <p:cNvSpPr/>
+          <p:nvPr/>
+        </p:nvSpPr>
+        <p:spPr>
+          <a:xfrm>
+            <a:off x="9512530" y="4624559"/>
+            <a:ext cx="1622369" cy="818400"/>
+          </a:xfrm>
+          <a:prstGeom prst="rect">
+            <a:avLst/>
+          </a:prstGeom>
+        </p:spPr>
+        <p:style>
+          <a:lnRef idx="2">
+            <a:schemeClr val="dk1"/>
+          </a:lnRef>
+          <a:fillRef idx="1">
+            <a:schemeClr val="lt1"/>
+          </a:fillRef>
+          <a:effectRef idx="0">
+            <a:schemeClr val="dk1"/>
+          </a:effectRef>
+          <a:fontRef idx="minor">
+            <a:schemeClr val="dk1"/>
+          </a:fontRef>
+        </p:style>
+        <p:txBody>
+          <a:bodyPr rtlCol="0" anchor="ctr"/>
+          <a:lstStyle/>
+          <a:p>
+            <a:pPr algn="ctr"/>
+            <a:r>
+              <a:rPr lang="en-US" dirty="0" smtClean="0"/>
+              <a:t>Lean Body Mass</a:t>
+            </a:r>
+            <a:endParaRPr lang="en-US" dirty="0"/>
+          </a:p>
+        </p:txBody>
+      </p:sp>
+      <p:cxnSp>
+        <p:nvCxnSpPr>
+          <p:cNvPr id="14" name="Straight Arrow Connector 13"/>
+          <p:cNvCxnSpPr>
+            <a:stCxn id="6" idx="3"/>
+            <a:endCxn id="7" idx="1"/>
+          </p:cNvCxnSpPr>
+          <p:nvPr/>
+        </p:nvCxnSpPr>
+        <p:spPr>
+          <a:xfrm>
+            <a:off x="7099068" y="5019011"/>
+            <a:ext cx="450967" cy="2280"/>
+          </a:xfrm>
+          <a:prstGeom prst="straightConnector1">
+            <a:avLst/>
+          </a:prstGeom>
+          <a:ln>
+            <a:tailEnd type="triangle"/>
+          </a:ln>
+        </p:spPr>
+        <p:style>
+          <a:lnRef idx="1">
+            <a:schemeClr val="accent1"/>
+          </a:lnRef>
+          <a:fillRef idx="0">
+            <a:schemeClr val="accent1"/>
+          </a:fillRef>
+          <a:effectRef idx="0">
+            <a:schemeClr val="accent1"/>
+          </a:effectRef>
+          <a:fontRef idx="minor">
+            <a:schemeClr val="tx1"/>
+          </a:fontRef>
+        </p:style>
+      </p:cxnSp>
+      <p:cxnSp>
+        <p:nvCxnSpPr>
+          <p:cNvPr id="18" name="Straight Arrow Connector 17"/>
+          <p:cNvCxnSpPr>
+            <a:stCxn id="7" idx="3"/>
+            <a:endCxn id="8" idx="1"/>
+          </p:cNvCxnSpPr>
+          <p:nvPr/>
+        </p:nvCxnSpPr>
+        <p:spPr>
+          <a:xfrm>
+            <a:off x="9123912" y="5021291"/>
+            <a:ext cx="388618" cy="12468"/>
+          </a:xfrm>
+          <a:prstGeom prst="straightConnector1">
+            <a:avLst/>
+          </a:prstGeom>
+          <a:ln>
+            <a:tailEnd type="triangle"/>
+          </a:ln>
+        </p:spPr>
+        <p:style>
+          <a:lnRef idx="1">
+            <a:schemeClr val="accent1"/>
+          </a:lnRef>
+          <a:fillRef idx="0">
+            <a:schemeClr val="accent1"/>
+          </a:fillRef>
+          <a:effectRef idx="0">
+            <a:schemeClr val="accent1"/>
+          </a:effectRef>
+          <a:fontRef idx="minor">
+            <a:schemeClr val="tx1"/>
+          </a:fontRef>
+        </p:style>
+      </p:cxnSp>
+      <p:cxnSp>
+        <p:nvCxnSpPr>
+          <p:cNvPr id="35" name="Straight Arrow Connector 34"/>
+          <p:cNvCxnSpPr>
+            <a:endCxn id="6" idx="0"/>
+          </p:cNvCxnSpPr>
+          <p:nvPr/>
+        </p:nvCxnSpPr>
+        <p:spPr>
+          <a:xfrm>
+            <a:off x="6352308" y="4064924"/>
+            <a:ext cx="1" cy="530138"/>
+          </a:xfrm>
+          <a:prstGeom prst="straightConnector1">
+            <a:avLst/>
+          </a:prstGeom>
+          <a:ln>
+            <a:tailEnd type="triangle"/>
+          </a:ln>
+        </p:spPr>
+        <p:style>
+          <a:lnRef idx="1">
+            <a:schemeClr val="accent1"/>
+          </a:lnRef>
+          <a:fillRef idx="0">
+            <a:schemeClr val="accent1"/>
+          </a:fillRef>
+          <a:effectRef idx="0">
+            <a:schemeClr val="accent1"/>
+          </a:effectRef>
+          <a:fontRef idx="minor">
+            <a:schemeClr val="tx1"/>
+          </a:fontRef>
+        </p:style>
+      </p:cxnSp>
+      <p:sp>
+        <p:nvSpPr>
+          <p:cNvPr id="36" name="Rounded Rectangle 35"/>
+          <p:cNvSpPr/>
+          <p:nvPr/>
+        </p:nvSpPr>
+        <p:spPr>
+          <a:xfrm>
+            <a:off x="5821679" y="3777587"/>
+            <a:ext cx="1061257" cy="349134"/>
+          </a:xfrm>
+          <a:prstGeom prst="roundRect">
+            <a:avLst/>
+          </a:prstGeom>
+          <a:noFill/>
+        </p:spPr>
+        <p:style>
+          <a:lnRef idx="2">
+            <a:schemeClr val="dk1">
+              <a:shade val="50000"/>
+            </a:schemeClr>
+          </a:lnRef>
+          <a:fillRef idx="1">
+            <a:schemeClr val="dk1"/>
+          </a:fillRef>
+          <a:effectRef idx="0">
+            <a:schemeClr val="dk1"/>
+          </a:effectRef>
+          <a:fontRef idx="minor">
+            <a:schemeClr val="lt1"/>
+          </a:fontRef>
+        </p:style>
+        <p:txBody>
+          <a:bodyPr rtlCol="0" anchor="ctr"/>
+          <a:lstStyle/>
+          <a:p>
+            <a:pPr algn="ctr"/>
+            <a:r>
+              <a:rPr lang="en-US" dirty="0" smtClean="0">
+                <a:ln w="0"/>
+                <a:solidFill>
+                  <a:schemeClr val="tx1"/>
+                </a:solidFill>
+                <a:effectLst>
+                  <a:outerShdw blurRad="38100" dist="19050" dir="2700000" algn="tl" rotWithShape="0">
+                    <a:schemeClr val="dk1">
+                      <a:alpha val="40000"/>
+                    </a:schemeClr>
+                  </a:outerShdw>
+                </a:effectLst>
+              </a:rPr>
+              <a:t>Intake</a:t>
+            </a:r>
+            <a:endParaRPr lang="en-US" dirty="0"/>
+          </a:p>
+        </p:txBody>
+      </p:sp>
+      <p:cxnSp>
+        <p:nvCxnSpPr>
+          <p:cNvPr id="43" name="Straight Arrow Connector 42"/>
+          <p:cNvCxnSpPr/>
+          <p:nvPr/>
+        </p:nvCxnSpPr>
+        <p:spPr>
+          <a:xfrm>
+            <a:off x="10327869" y="5442959"/>
+            <a:ext cx="1" cy="530138"/>
+          </a:xfrm>
+          <a:prstGeom prst="straightConnector1">
+            <a:avLst/>
+          </a:prstGeom>
+          <a:ln>
+            <a:tailEnd type="triangle"/>
+          </a:ln>
+        </p:spPr>
+        <p:style>
+          <a:lnRef idx="1">
+            <a:schemeClr val="accent1"/>
+          </a:lnRef>
+          <a:fillRef idx="0">
+            <a:schemeClr val="accent1"/>
+          </a:fillRef>
+          <a:effectRef idx="0">
+            <a:schemeClr val="accent1"/>
+          </a:effectRef>
+          <a:fontRef idx="minor">
+            <a:schemeClr val="tx1"/>
+          </a:fontRef>
+        </p:style>
+      </p:cxnSp>
+      <p:sp>
+        <p:nvSpPr>
+          <p:cNvPr id="44" name="Rounded Rectangle 43"/>
+          <p:cNvSpPr/>
+          <p:nvPr/>
+        </p:nvSpPr>
+        <p:spPr>
+          <a:xfrm>
+            <a:off x="9652807" y="5987845"/>
+            <a:ext cx="1341814" cy="349134"/>
+          </a:xfrm>
+          <a:prstGeom prst="roundRect">
+            <a:avLst/>
+          </a:prstGeom>
+          <a:noFill/>
+        </p:spPr>
+        <p:style>
+          <a:lnRef idx="2">
+            <a:schemeClr val="dk1">
+              <a:shade val="50000"/>
+            </a:schemeClr>
+          </a:lnRef>
+          <a:fillRef idx="1">
+            <a:schemeClr val="dk1"/>
+          </a:fillRef>
+          <a:effectRef idx="0">
+            <a:schemeClr val="dk1"/>
+          </a:effectRef>
+          <a:fontRef idx="minor">
+            <a:schemeClr val="lt1"/>
+          </a:fontRef>
+        </p:style>
+        <p:txBody>
+          <a:bodyPr rtlCol="0" anchor="ctr"/>
+          <a:lstStyle/>
+          <a:p>
+            <a:pPr algn="ctr"/>
+            <a:r>
+              <a:rPr lang="en-US" dirty="0" smtClean="0">
+                <a:ln w="0"/>
+                <a:solidFill>
+                  <a:schemeClr val="tx1"/>
+                </a:solidFill>
+                <a:effectLst>
+                  <a:outerShdw blurRad="38100" dist="19050" dir="2700000" algn="tl" rotWithShape="0">
+                    <a:schemeClr val="dk1">
+                      <a:alpha val="40000"/>
+                    </a:schemeClr>
+                  </a:outerShdw>
+                </a:effectLst>
+              </a:rPr>
+              <a:t>Elimination</a:t>
+            </a:r>
+            <a:endParaRPr lang="en-US" dirty="0"/>
+          </a:p>
+        </p:txBody>
+      </p:sp>
+      <p:sp>
+        <p:nvSpPr>
+          <p:cNvPr id="48" name="Rectangle 47"/>
+          <p:cNvSpPr/>
+          <p:nvPr/>
+        </p:nvSpPr>
+        <p:spPr>
+          <a:xfrm>
+            <a:off x="987483" y="5408502"/>
+            <a:ext cx="1928553" cy="955963"/>
+          </a:xfrm>
+          <a:prstGeom prst="rect">
+            <a:avLst/>
+          </a:prstGeom>
+          <a:ln/>
+        </p:spPr>
+        <p:style>
+          <a:lnRef idx="2">
+            <a:schemeClr val="dk1"/>
+          </a:lnRef>
+          <a:fillRef idx="1">
+            <a:schemeClr val="lt1"/>
+          </a:fillRef>
+          <a:effectRef idx="0">
+            <a:schemeClr val="dk1"/>
+          </a:effectRef>
+          <a:fontRef idx="minor">
+            <a:schemeClr val="dk1"/>
+          </a:fontRef>
+        </p:style>
+        <p:txBody>
+          <a:bodyPr rtlCol="0" anchor="ctr"/>
+          <a:lstStyle/>
+          <a:p>
+            <a:pPr algn="ctr"/>
+            <a:r>
+              <a:rPr lang="en-US" dirty="0" smtClean="0"/>
+              <a:t>Bloodstream</a:t>
+            </a:r>
+            <a:endParaRPr lang="en-US" dirty="0"/>
+          </a:p>
+        </p:txBody>
+      </p:sp>
+      <p:cxnSp>
+        <p:nvCxnSpPr>
+          <p:cNvPr id="49" name="Straight Arrow Connector 48"/>
+          <p:cNvCxnSpPr/>
+          <p:nvPr/>
+        </p:nvCxnSpPr>
+        <p:spPr>
+          <a:xfrm>
+            <a:off x="1877642" y="4825940"/>
+            <a:ext cx="1" cy="530138"/>
+          </a:xfrm>
+          <a:prstGeom prst="straightConnector1">
+            <a:avLst/>
+          </a:prstGeom>
+          <a:ln>
+            <a:tailEnd type="triangle"/>
+          </a:ln>
+        </p:spPr>
+        <p:style>
+          <a:lnRef idx="1">
+            <a:schemeClr val="accent1"/>
+          </a:lnRef>
+          <a:fillRef idx="0">
+            <a:schemeClr val="accent1"/>
+          </a:fillRef>
+          <a:effectRef idx="0">
+            <a:schemeClr val="accent1"/>
+          </a:effectRef>
+          <a:fontRef idx="minor">
+            <a:schemeClr val="tx1"/>
+          </a:fontRef>
+        </p:style>
+      </p:cxnSp>
+      <p:sp>
+        <p:nvSpPr>
+          <p:cNvPr id="50" name="Rounded Rectangle 49"/>
+          <p:cNvSpPr/>
+          <p:nvPr/>
+        </p:nvSpPr>
+        <p:spPr>
+          <a:xfrm>
+            <a:off x="1347013" y="4448650"/>
+            <a:ext cx="1061257" cy="349134"/>
+          </a:xfrm>
+          <a:prstGeom prst="roundRect">
+            <a:avLst/>
+          </a:prstGeom>
+          <a:noFill/>
+        </p:spPr>
+        <p:style>
+          <a:lnRef idx="2">
+            <a:schemeClr val="dk1">
+              <a:shade val="50000"/>
+            </a:schemeClr>
+          </a:lnRef>
+          <a:fillRef idx="1">
+            <a:schemeClr val="dk1"/>
+          </a:fillRef>
+          <a:effectRef idx="0">
+            <a:schemeClr val="dk1"/>
+          </a:effectRef>
+          <a:fontRef idx="minor">
+            <a:schemeClr val="lt1"/>
+          </a:fontRef>
+        </p:style>
+        <p:txBody>
+          <a:bodyPr rtlCol="0" anchor="ctr"/>
+          <a:lstStyle/>
+          <a:p>
+            <a:pPr algn="ctr"/>
+            <a:r>
+              <a:rPr lang="en-US" dirty="0" smtClean="0">
+                <a:ln w="0"/>
+                <a:solidFill>
+                  <a:schemeClr val="tx1"/>
+                </a:solidFill>
+                <a:effectLst>
+                  <a:outerShdw blurRad="38100" dist="19050" dir="2700000" algn="tl" rotWithShape="0">
+                    <a:schemeClr val="dk1">
+                      <a:alpha val="40000"/>
+                    </a:schemeClr>
+                  </a:outerShdw>
+                </a:effectLst>
+              </a:rPr>
+              <a:t>Intake</a:t>
+            </a:r>
+            <a:endParaRPr lang="en-US" dirty="0"/>
+          </a:p>
+        </p:txBody>
+      </p:sp>
+      <p:cxnSp>
+        <p:nvCxnSpPr>
+          <p:cNvPr id="51" name="Straight Arrow Connector 50"/>
+          <p:cNvCxnSpPr/>
+          <p:nvPr/>
+        </p:nvCxnSpPr>
+        <p:spPr>
+          <a:xfrm flipV="1">
+            <a:off x="2916036" y="5925770"/>
+            <a:ext cx="613408" cy="12870"/>
+          </a:xfrm>
+          <a:prstGeom prst="straightConnector1">
+            <a:avLst/>
+          </a:prstGeom>
+          <a:ln>
+            <a:tailEnd type="triangle"/>
+          </a:ln>
+        </p:spPr>
+        <p:style>
+          <a:lnRef idx="1">
+            <a:schemeClr val="accent1"/>
+          </a:lnRef>
+          <a:fillRef idx="0">
+            <a:schemeClr val="accent1"/>
+          </a:fillRef>
+          <a:effectRef idx="0">
+            <a:schemeClr val="accent1"/>
+          </a:effectRef>
+          <a:fontRef idx="minor">
+            <a:schemeClr val="tx1"/>
+          </a:fontRef>
+        </p:style>
+      </p:cxnSp>
+      <p:sp>
+        <p:nvSpPr>
+          <p:cNvPr id="52" name="Rounded Rectangle 51"/>
+          <p:cNvSpPr/>
+          <p:nvPr/>
+        </p:nvSpPr>
+        <p:spPr>
+          <a:xfrm>
+            <a:off x="3529444" y="5757638"/>
+            <a:ext cx="1341814" cy="349134"/>
+          </a:xfrm>
+          <a:prstGeom prst="roundRect">
+            <a:avLst/>
+          </a:prstGeom>
+          <a:noFill/>
+        </p:spPr>
+        <p:style>
+          <a:lnRef idx="2">
+            <a:schemeClr val="dk1">
+              <a:shade val="50000"/>
+            </a:schemeClr>
+          </a:lnRef>
+          <a:fillRef idx="1">
+            <a:schemeClr val="dk1"/>
+          </a:fillRef>
+          <a:effectRef idx="0">
+            <a:schemeClr val="dk1"/>
+          </a:effectRef>
+          <a:fontRef idx="minor">
+            <a:schemeClr val="lt1"/>
+          </a:fontRef>
+        </p:style>
+        <p:txBody>
+          <a:bodyPr rtlCol="0" anchor="ctr"/>
+          <a:lstStyle/>
+          <a:p>
+            <a:pPr algn="ctr"/>
+            <a:r>
+              <a:rPr lang="en-US" dirty="0" smtClean="0">
+                <a:ln w="0"/>
+                <a:solidFill>
+                  <a:schemeClr val="tx1"/>
+                </a:solidFill>
+                <a:effectLst>
+                  <a:outerShdw blurRad="38100" dist="19050" dir="2700000" algn="tl" rotWithShape="0">
+                    <a:schemeClr val="dk1">
+                      <a:alpha val="40000"/>
+                    </a:schemeClr>
+                  </a:outerShdw>
+                </a:effectLst>
+              </a:rPr>
+              <a:t>Elimination</a:t>
+            </a:r>
+            <a:endParaRPr lang="en-US" dirty="0"/>
+          </a:p>
+        </p:txBody>
+      </p:sp>
     </p:spTree>
     <p:extLst>
       <p:ext uri="{BB962C8B-B14F-4D97-AF65-F5344CB8AC3E}">
@@ -3557,6 +4172,22 @@
           <a:bodyPr/>
           <a:lstStyle/>
           <a:p>
+            <a:pPr marL="0" indent="0">
+              <a:buNone/>
+            </a:pPr>
+            <a:r>
+              <a:rPr lang="en-US" dirty="0" smtClean="0"/>
+              <a:t>Graph with four curves of same person with the same dosage:</a:t>
+            </a:r>
+          </a:p>
+          <a:p>
+            <a:pPr marL="0" indent="0">
+              <a:buNone/>
+            </a:pPr>
+            <a:r>
+              <a:rPr lang="en-US" dirty="0" smtClean="0"/>
+              <a:t>The </a:t>
+            </a:r>
             <a:endParaRPr lang="en-US" dirty="0"/>
           </a:p>
         </p:txBody>
@@ -3608,7 +4239,7 @@
           <a:p>
             <a:r>
               <a:rPr lang="en-US" dirty="0" smtClean="0"/>
-              <a:t>Conclusions</a:t>
+              <a:t>Interpretation</a:t>
             </a:r>
             <a:endParaRPr lang="en-US" dirty="0"/>
           </a:p>
@@ -3628,6 +4259,12 @@
         <p:txBody>
           <a:bodyPr/>
           <a:lstStyle/>
+          <a:p>
+            <a:r>
+              <a:rPr lang="en-US" dirty="0" smtClean="0"/>
+              <a:t>Three-compartment is far more comprehensive</a:t>
+            </a:r>
+          </a:p>
           <a:p>
             <a:endParaRPr lang="en-US" dirty="0"/>
           </a:p>

--- a/powerpoint.ppt.pptx
+++ b/powerpoint.ppt.pptx
@@ -108,6 +108,11 @@
       </a:defRPr>
     </a:lvl9pPr>
   </p:defaultTextStyle>
+  <p:extLst>
+    <p:ext uri="{EFAFB233-063F-42B5-8137-9DF3F51BA10A}">
+      <p15:sldGuideLst xmlns:p15="http://schemas.microsoft.com/office/powerpoint/2012/main"/>
+    </p:ext>
+  </p:extLst>
 </p:presentation>
 </file>
 
@@ -242,7 +247,7 @@
           <a:p>
             <a:fld id="{8D26A8B0-31C9-42DA-996E-14BE3A3E6E85}" type="datetimeFigureOut">
               <a:rPr lang="en-US" smtClean="0"/>
-              <a:t>10/26/2017</a:t>
+              <a:t>10/29/2017</a:t>
             </a:fld>
             <a:endParaRPr lang="en-US"/>
           </a:p>
@@ -412,7 +417,7 @@
           <a:p>
             <a:fld id="{8D26A8B0-31C9-42DA-996E-14BE3A3E6E85}" type="datetimeFigureOut">
               <a:rPr lang="en-US" smtClean="0"/>
-              <a:t>10/26/2017</a:t>
+              <a:t>10/29/2017</a:t>
             </a:fld>
             <a:endParaRPr lang="en-US"/>
           </a:p>
@@ -592,7 +597,7 @@
           <a:p>
             <a:fld id="{8D26A8B0-31C9-42DA-996E-14BE3A3E6E85}" type="datetimeFigureOut">
               <a:rPr lang="en-US" smtClean="0"/>
-              <a:t>10/26/2017</a:t>
+              <a:t>10/29/2017</a:t>
             </a:fld>
             <a:endParaRPr lang="en-US"/>
           </a:p>
@@ -762,7 +767,7 @@
           <a:p>
             <a:fld id="{8D26A8B0-31C9-42DA-996E-14BE3A3E6E85}" type="datetimeFigureOut">
               <a:rPr lang="en-US" smtClean="0"/>
-              <a:t>10/26/2017</a:t>
+              <a:t>10/29/2017</a:t>
             </a:fld>
             <a:endParaRPr lang="en-US"/>
           </a:p>
@@ -1008,7 +1013,7 @@
           <a:p>
             <a:fld id="{8D26A8B0-31C9-42DA-996E-14BE3A3E6E85}" type="datetimeFigureOut">
               <a:rPr lang="en-US" smtClean="0"/>
-              <a:t>10/26/2017</a:t>
+              <a:t>10/29/2017</a:t>
             </a:fld>
             <a:endParaRPr lang="en-US"/>
           </a:p>
@@ -1240,7 +1245,7 @@
           <a:p>
             <a:fld id="{8D26A8B0-31C9-42DA-996E-14BE3A3E6E85}" type="datetimeFigureOut">
               <a:rPr lang="en-US" smtClean="0"/>
-              <a:t>10/26/2017</a:t>
+              <a:t>10/29/2017</a:t>
             </a:fld>
             <a:endParaRPr lang="en-US"/>
           </a:p>
@@ -1607,7 +1612,7 @@
           <a:p>
             <a:fld id="{8D26A8B0-31C9-42DA-996E-14BE3A3E6E85}" type="datetimeFigureOut">
               <a:rPr lang="en-US" smtClean="0"/>
-              <a:t>10/26/2017</a:t>
+              <a:t>10/29/2017</a:t>
             </a:fld>
             <a:endParaRPr lang="en-US"/>
           </a:p>
@@ -1725,7 +1730,7 @@
           <a:p>
             <a:fld id="{8D26A8B0-31C9-42DA-996E-14BE3A3E6E85}" type="datetimeFigureOut">
               <a:rPr lang="en-US" smtClean="0"/>
-              <a:t>10/26/2017</a:t>
+              <a:t>10/29/2017</a:t>
             </a:fld>
             <a:endParaRPr lang="en-US"/>
           </a:p>
@@ -1820,7 +1825,7 @@
           <a:p>
             <a:fld id="{8D26A8B0-31C9-42DA-996E-14BE3A3E6E85}" type="datetimeFigureOut">
               <a:rPr lang="en-US" smtClean="0"/>
-              <a:t>10/26/2017</a:t>
+              <a:t>10/29/2017</a:t>
             </a:fld>
             <a:endParaRPr lang="en-US"/>
           </a:p>
@@ -2097,7 +2102,7 @@
           <a:p>
             <a:fld id="{8D26A8B0-31C9-42DA-996E-14BE3A3E6E85}" type="datetimeFigureOut">
               <a:rPr lang="en-US" smtClean="0"/>
-              <a:t>10/26/2017</a:t>
+              <a:t>10/29/2017</a:t>
             </a:fld>
             <a:endParaRPr lang="en-US"/>
           </a:p>
@@ -2350,7 +2355,7 @@
           <a:p>
             <a:fld id="{8D26A8B0-31C9-42DA-996E-14BE3A3E6E85}" type="datetimeFigureOut">
               <a:rPr lang="en-US" smtClean="0"/>
-              <a:t>10/26/2017</a:t>
+              <a:t>10/29/2017</a:t>
             </a:fld>
             <a:endParaRPr lang="en-US"/>
           </a:p>
@@ -2563,7 +2568,7 @@
           <a:p>
             <a:fld id="{8D26A8B0-31C9-42DA-996E-14BE3A3E6E85}" type="datetimeFigureOut">
               <a:rPr lang="en-US" smtClean="0"/>
-              <a:t>10/26/2017</a:t>
+              <a:t>10/29/2017</a:t>
             </a:fld>
             <a:endParaRPr lang="en-US"/>
           </a:p>
@@ -4157,38 +4162,140 @@
           </a:p>
         </p:txBody>
       </p:sp>
-      <p:sp>
-        <p:nvSpPr>
-          <p:cNvPr id="3" name="Content Placeholder 2"/>
-          <p:cNvSpPr>
-            <a:spLocks noGrp="1"/>
-          </p:cNvSpPr>
-          <p:nvPr>
-            <p:ph idx="1"/>
-          </p:nvPr>
-        </p:nvSpPr>
-        <p:spPr/>
-        <p:txBody>
-          <a:bodyPr/>
-          <a:lstStyle/>
-          <a:p>
-            <a:pPr marL="0" indent="0">
-              <a:buNone/>
-            </a:pPr>
+      <p:pic>
+        <p:nvPicPr>
+          <p:cNvPr id="4" name="Picture 3"/>
+          <p:cNvPicPr>
+            <a:picLocks noChangeAspect="1"/>
+          </p:cNvPicPr>
+          <p:nvPr/>
+        </p:nvPicPr>
+        <p:blipFill>
+          <a:blip r:embed="rId2">
+            <a:extLst>
+              <a:ext uri="{28A0092B-C50C-407E-A947-70E740481C1C}">
+                <a14:useLocalDpi xmlns:a14="http://schemas.microsoft.com/office/drawing/2010/main" val="0"/>
+              </a:ext>
+            </a:extLst>
+          </a:blip>
+          <a:stretch>
+            <a:fillRect/>
+          </a:stretch>
+        </p:blipFill>
+        <p:spPr>
+          <a:xfrm>
+            <a:off x="838200" y="1337669"/>
+            <a:ext cx="10938878" cy="4871937"/>
+          </a:xfrm>
+          <a:prstGeom prst="rect">
+            <a:avLst/>
+          </a:prstGeom>
+        </p:spPr>
+      </p:pic>
+      <p:sp>
+        <p:nvSpPr>
+          <p:cNvPr id="5" name="TextBox 4"/>
+          <p:cNvSpPr txBox="1"/>
+          <p:nvPr/>
+        </p:nvSpPr>
+        <p:spPr>
+          <a:xfrm>
+            <a:off x="9150256" y="2063067"/>
+            <a:ext cx="2626822" cy="3416320"/>
+          </a:xfrm>
+          <a:prstGeom prst="rect">
+            <a:avLst/>
+          </a:prstGeom>
+          <a:noFill/>
+        </p:spPr>
+        <p:txBody>
+          <a:bodyPr wrap="square" rtlCol="0">
+            <a:spAutoFit/>
+          </a:bodyPr>
+          <a:lstStyle/>
+          <a:p>
+            <a:r>
+              <a:rPr lang="en-US" sz="3600" b="1" dirty="0" smtClean="0">
+                <a:solidFill>
+                  <a:srgbClr val="92D050"/>
+                </a:solidFill>
+              </a:rPr>
+              <a:t>-</a:t>
+            </a:r>
+            <a:r>
+              <a:rPr lang="en-US" sz="3600" b="1" dirty="0" smtClean="0"/>
+              <a:t> </a:t>
+            </a:r>
             <a:r>
               <a:rPr lang="en-US" dirty="0" smtClean="0"/>
-              <a:t>Graph with four curves of same person with the same dosage:</a:t>
-            </a:r>
-          </a:p>
-          <a:p>
-            <a:pPr marL="0" indent="0">
-              <a:buNone/>
-            </a:pPr>
+              <a:t>One-Compartment without eating</a:t>
+            </a:r>
+            <a:endParaRPr lang="en-US" sz="3600" b="1" dirty="0" smtClean="0"/>
+          </a:p>
+          <a:p>
+            <a:r>
+              <a:rPr lang="en-US" sz="3600" b="1" dirty="0" smtClean="0">
+                <a:solidFill>
+                  <a:schemeClr val="accent1"/>
+                </a:solidFill>
+              </a:rPr>
+              <a:t>-</a:t>
+            </a:r>
+            <a:r>
+              <a:rPr lang="en-US" sz="3600" b="1" dirty="0" smtClean="0"/>
+              <a:t> </a:t>
+            </a:r>
+            <a:r>
+              <a:rPr lang="en-US" dirty="0"/>
+              <a:t>One-Compartment </a:t>
+            </a:r>
             <a:r>
               <a:rPr lang="en-US" dirty="0" smtClean="0"/>
-              <a:t>The </a:t>
-            </a:r>
-            <a:endParaRPr lang="en-US" dirty="0"/>
+              <a:t>with </a:t>
+            </a:r>
+            <a:r>
+              <a:rPr lang="en-US" dirty="0"/>
+              <a:t>eating</a:t>
+            </a:r>
+            <a:endParaRPr lang="en-US" sz="3600" b="1" dirty="0" smtClean="0"/>
+          </a:p>
+          <a:p>
+            <a:r>
+              <a:rPr lang="en-US" sz="3600" b="1" dirty="0" smtClean="0">
+                <a:solidFill>
+                  <a:srgbClr val="FF0000"/>
+                </a:solidFill>
+              </a:rPr>
+              <a:t>- </a:t>
+            </a:r>
+            <a:r>
+              <a:rPr lang="en-US" dirty="0" smtClean="0"/>
+              <a:t>Three-Compartment, without eating</a:t>
+            </a:r>
+            <a:endParaRPr lang="en-US" sz="3600" b="1" dirty="0" smtClean="0">
+              <a:solidFill>
+                <a:srgbClr val="FF0000"/>
+              </a:solidFill>
+            </a:endParaRPr>
+          </a:p>
+          <a:p>
+            <a:r>
+              <a:rPr lang="en-US" sz="3600" b="1" dirty="0" smtClean="0">
+                <a:solidFill>
+                  <a:srgbClr val="7030A0"/>
+                </a:solidFill>
+              </a:rPr>
+              <a:t>-</a:t>
+            </a:r>
+            <a:r>
+              <a:rPr lang="en-US" sz="3600" b="1" dirty="0" smtClean="0"/>
+              <a:t> </a:t>
+            </a:r>
+            <a:r>
+              <a:rPr lang="en-US" dirty="0" smtClean="0"/>
+              <a:t>Three-Compartment, with eating</a:t>
+            </a:r>
+            <a:endParaRPr lang="en-US" sz="3600" b="1" dirty="0"/>
           </a:p>
         </p:txBody>
       </p:sp>
@@ -4262,11 +4369,37 @@
           <a:p>
             <a:r>
               <a:rPr lang="en-US" dirty="0" smtClean="0"/>
-              <a:t>Three-compartment is far more comprehensive</a:t>
-            </a:r>
-          </a:p>
-          <a:p>
+              <a:t>Eatin</a:t>
+            </a:r>
+            <a:r>
+              <a:rPr lang="en-US" dirty="0" smtClean="0"/>
+              <a:t>g decreases theoretical BAC significantly</a:t>
+            </a:r>
+          </a:p>
+          <a:p>
+            <a:r>
+              <a:rPr lang="en-US" b="1" dirty="0" smtClean="0"/>
+              <a:t>Something quantitative about the impact of eating</a:t>
+            </a:r>
+            <a:endParaRPr lang="en-US" b="1" dirty="0" smtClean="0"/>
+          </a:p>
+          <a:p>
+            <a:r>
+              <a:rPr lang="en-US" dirty="0" smtClean="0"/>
+              <a:t>Three-compartment model is </a:t>
+            </a:r>
+            <a:r>
+              <a:rPr lang="en-US" dirty="0" smtClean="0"/>
+              <a:t>far more </a:t>
+            </a:r>
+            <a:r>
+              <a:rPr lang="en-US" dirty="0" smtClean="0"/>
+              <a:t>comprehensive</a:t>
+            </a:r>
             <a:endParaRPr lang="en-US" dirty="0"/>
+          </a:p>
+          <a:p>
+            <a:endParaRPr lang="en-US" dirty="0" smtClean="0"/>
           </a:p>
         </p:txBody>
       </p:sp>

--- a/powerpoint.ppt.pptx
+++ b/powerpoint.ppt.pptx
@@ -4173,6 +4173,18 @@
         <p:blipFill>
           <a:blip r:embed="rId2">
             <a:extLst>
+              <a:ext uri="{BEBA8EAE-BF5A-486C-A8C5-ECC9F3942E4B}">
+                <a14:imgProps xmlns:a14="http://schemas.microsoft.com/office/drawing/2010/main">
+                  <a14:imgLayer r:embed="rId3">
+                    <a14:imgEffect>
+                      <a14:sharpenSoften amount="50000"/>
+                    </a14:imgEffect>
+                    <a14:imgEffect>
+                      <a14:brightnessContrast contrast="20000"/>
+                    </a14:imgEffect>
+                  </a14:imgLayer>
+                </a14:imgProps>
+              </a:ext>
               <a:ext uri="{28A0092B-C50C-407E-A947-70E740481C1C}">
                 <a14:useLocalDpi xmlns:a14="http://schemas.microsoft.com/office/drawing/2010/main" val="0"/>
               </a:ext>
@@ -4369,11 +4381,7 @@
           <a:p>
             <a:r>
               <a:rPr lang="en-US" dirty="0" smtClean="0"/>
-              <a:t>Eatin</a:t>
-            </a:r>
-            <a:r>
-              <a:rPr lang="en-US" dirty="0" smtClean="0"/>
-              <a:t>g decreases theoretical BAC significantly</a:t>
+              <a:t>Eating decreases theoretical BAC significantly</a:t>
             </a:r>
           </a:p>
           <a:p>
@@ -4381,20 +4389,11 @@
               <a:rPr lang="en-US" b="1" dirty="0" smtClean="0"/>
               <a:t>Something quantitative about the impact of eating</a:t>
             </a:r>
-            <a:endParaRPr lang="en-US" b="1" dirty="0" smtClean="0"/>
           </a:p>
           <a:p>
             <a:r>
               <a:rPr lang="en-US" dirty="0" smtClean="0"/>
-              <a:t>Three-compartment model is </a:t>
-            </a:r>
-            <a:r>
-              <a:rPr lang="en-US" dirty="0" smtClean="0"/>
-              <a:t>far more </a:t>
-            </a:r>
-            <a:r>
-              <a:rPr lang="en-US" dirty="0" smtClean="0"/>
-              <a:t>comprehensive</a:t>
+              <a:t>Three-compartment model is far more comprehensive</a:t>
             </a:r>
             <a:endParaRPr lang="en-US" dirty="0"/>
           </a:p>

--- a/powerpoint.ppt.pptx
+++ b/powerpoint.ppt.pptx
@@ -9,7 +9,8 @@
     <p:sldId id="257" r:id="rId3"/>
     <p:sldId id="258" r:id="rId4"/>
     <p:sldId id="259" r:id="rId5"/>
-    <p:sldId id="260" r:id="rId6"/>
+    <p:sldId id="261" r:id="rId6"/>
+    <p:sldId id="260" r:id="rId7"/>
   </p:sldIdLst>
   <p:sldSz cx="12192000" cy="6858000"/>
   <p:notesSz cx="6858000" cy="9144000"/>
@@ -4149,7 +4150,12 @@
             <p:ph type="title"/>
           </p:nvPr>
         </p:nvSpPr>
-        <p:spPr/>
+        <p:spPr>
+          <a:xfrm>
+            <a:off x="838200" y="178859"/>
+            <a:ext cx="10515600" cy="1325563"/>
+          </a:xfrm>
+        </p:spPr>
         <p:txBody>
           <a:bodyPr/>
           <a:lstStyle/>
@@ -4341,6 +4347,279 @@
           <a:chExt cx="0" cy="0"/>
         </a:xfrm>
       </p:grpSpPr>
+      <p:pic>
+        <p:nvPicPr>
+          <p:cNvPr id="8" name="Picture 7"/>
+          <p:cNvPicPr>
+            <a:picLocks noChangeAspect="1"/>
+          </p:cNvPicPr>
+          <p:nvPr/>
+        </p:nvPicPr>
+        <p:blipFill rotWithShape="1">
+          <a:blip r:embed="rId2">
+            <a:extLst>
+              <a:ext uri="{BEBA8EAE-BF5A-486C-A8C5-ECC9F3942E4B}">
+                <a14:imgProps xmlns:a14="http://schemas.microsoft.com/office/drawing/2010/main">
+                  <a14:imgLayer r:embed="rId3">
+                    <a14:imgEffect>
+                      <a14:sharpenSoften amount="50000"/>
+                    </a14:imgEffect>
+                    <a14:imgEffect>
+                      <a14:brightnessContrast contrast="20000"/>
+                    </a14:imgEffect>
+                  </a14:imgLayer>
+                </a14:imgProps>
+              </a:ext>
+            </a:extLst>
+          </a:blip>
+          <a:srcRect l="12408" t="-1354" r="16811" b="1354"/>
+          <a:stretch/>
+        </p:blipFill>
+        <p:spPr>
+          <a:xfrm>
+            <a:off x="474134" y="911753"/>
+            <a:ext cx="10888133" cy="5000625"/>
+          </a:xfrm>
+          <a:prstGeom prst="rect">
+            <a:avLst/>
+          </a:prstGeom>
+        </p:spPr>
+      </p:pic>
+      <p:sp>
+        <p:nvSpPr>
+          <p:cNvPr id="9" name="Rectangle 8"/>
+          <p:cNvSpPr/>
+          <p:nvPr/>
+        </p:nvSpPr>
+        <p:spPr>
+          <a:xfrm>
+            <a:off x="7493000" y="1944638"/>
+            <a:ext cx="3869267" cy="3416320"/>
+          </a:xfrm>
+          <a:prstGeom prst="rect">
+            <a:avLst/>
+          </a:prstGeom>
+        </p:spPr>
+        <p:txBody>
+          <a:bodyPr wrap="square">
+            <a:spAutoFit/>
+          </a:bodyPr>
+          <a:lstStyle/>
+          <a:p>
+            <a:r>
+              <a:rPr lang="en-US" dirty="0" smtClean="0"/>
+              <a:t> </a:t>
+            </a:r>
+            <a:r>
+              <a:rPr lang="en-US" sz="3600" b="1" dirty="0">
+                <a:solidFill>
+                  <a:schemeClr val="accent1"/>
+                </a:solidFill>
+              </a:rPr>
+              <a:t>-</a:t>
+            </a:r>
+            <a:r>
+              <a:rPr lang="en-US" dirty="0" smtClean="0"/>
+              <a:t> </a:t>
+            </a:r>
+            <a:r>
+              <a:rPr lang="en-US" sz="2400" dirty="0" smtClean="0"/>
+              <a:t>Initial weight (70 kg)</a:t>
+            </a:r>
+          </a:p>
+          <a:p>
+            <a:r>
+              <a:rPr lang="en-US" sz="2400" dirty="0"/>
+              <a:t> </a:t>
+            </a:r>
+            <a:r>
+              <a:rPr lang="en-US" sz="3600" b="1" dirty="0">
+                <a:solidFill>
+                  <a:srgbClr val="00B050"/>
+                </a:solidFill>
+              </a:rPr>
+              <a:t>-</a:t>
+            </a:r>
+            <a:r>
+              <a:rPr lang="en-US" sz="2400" dirty="0"/>
+              <a:t> </a:t>
+            </a:r>
+            <a:r>
+              <a:rPr lang="en-US" sz="2400" dirty="0" smtClean="0"/>
+              <a:t>Initial weight + 5  (75 kg)</a:t>
+            </a:r>
+          </a:p>
+          <a:p>
+            <a:r>
+              <a:rPr lang="en-US" sz="2400" dirty="0"/>
+              <a:t> </a:t>
+            </a:r>
+            <a:r>
+              <a:rPr lang="en-US" sz="3600" b="1" dirty="0">
+                <a:solidFill>
+                  <a:srgbClr val="C00000"/>
+                </a:solidFill>
+              </a:rPr>
+              <a:t>-</a:t>
+            </a:r>
+            <a:r>
+              <a:rPr lang="en-US" sz="2400" dirty="0"/>
+              <a:t> </a:t>
+            </a:r>
+            <a:r>
+              <a:rPr lang="en-US" sz="2400" dirty="0" smtClean="0"/>
+              <a:t>Initial </a:t>
+            </a:r>
+            <a:r>
+              <a:rPr lang="en-US" sz="2400" dirty="0"/>
+              <a:t>weight + </a:t>
+            </a:r>
+            <a:r>
+              <a:rPr lang="en-US" sz="2400" dirty="0" smtClean="0"/>
+              <a:t>10  (80 </a:t>
+            </a:r>
+            <a:r>
+              <a:rPr lang="en-US" sz="2400" dirty="0"/>
+              <a:t>kg</a:t>
+            </a:r>
+            <a:r>
+              <a:rPr lang="en-US" sz="2400" dirty="0" smtClean="0"/>
+              <a:t>)</a:t>
+            </a:r>
+          </a:p>
+          <a:p>
+            <a:r>
+              <a:rPr lang="en-US" sz="2400" dirty="0"/>
+              <a:t> </a:t>
+            </a:r>
+            <a:r>
+              <a:rPr lang="en-US" sz="3600" b="1" dirty="0">
+                <a:solidFill>
+                  <a:srgbClr val="7030A0"/>
+                </a:solidFill>
+              </a:rPr>
+              <a:t>-</a:t>
+            </a:r>
+            <a:r>
+              <a:rPr lang="en-US" sz="2400" dirty="0"/>
+              <a:t> </a:t>
+            </a:r>
+            <a:r>
+              <a:rPr lang="en-US" sz="2400" dirty="0" smtClean="0"/>
+              <a:t>Initial </a:t>
+            </a:r>
+            <a:r>
+              <a:rPr lang="en-US" sz="2400" dirty="0"/>
+              <a:t>weight + </a:t>
+            </a:r>
+            <a:r>
+              <a:rPr lang="en-US" sz="2400" dirty="0" smtClean="0"/>
+              <a:t>15  (85 </a:t>
+            </a:r>
+            <a:r>
+              <a:rPr lang="en-US" sz="2400" dirty="0"/>
+              <a:t>kg</a:t>
+            </a:r>
+            <a:r>
+              <a:rPr lang="en-US" sz="2400" dirty="0" smtClean="0"/>
+              <a:t>)</a:t>
+            </a:r>
+          </a:p>
+          <a:p>
+            <a:r>
+              <a:rPr lang="en-US" sz="2400" dirty="0"/>
+              <a:t> </a:t>
+            </a:r>
+            <a:r>
+              <a:rPr lang="en-US" sz="3600" b="1" dirty="0">
+                <a:solidFill>
+                  <a:schemeClr val="accent4">
+                    <a:lumMod val="60000"/>
+                    <a:lumOff val="40000"/>
+                  </a:schemeClr>
+                </a:solidFill>
+              </a:rPr>
+              <a:t>-</a:t>
+            </a:r>
+            <a:r>
+              <a:rPr lang="en-US" sz="2400" dirty="0"/>
+              <a:t> </a:t>
+            </a:r>
+            <a:r>
+              <a:rPr lang="en-US" sz="2400" dirty="0" smtClean="0"/>
+              <a:t>Initial </a:t>
+            </a:r>
+            <a:r>
+              <a:rPr lang="en-US" sz="2400" dirty="0"/>
+              <a:t>weight + </a:t>
+            </a:r>
+            <a:r>
+              <a:rPr lang="en-US" sz="2400" dirty="0" smtClean="0"/>
+              <a:t>20  (90 </a:t>
+            </a:r>
+            <a:r>
+              <a:rPr lang="en-US" sz="2400" dirty="0"/>
+              <a:t>kg</a:t>
+            </a:r>
+            <a:r>
+              <a:rPr lang="en-US" sz="2400" dirty="0" smtClean="0"/>
+              <a:t>)</a:t>
+            </a:r>
+          </a:p>
+          <a:p>
+            <a:r>
+              <a:rPr lang="en-US" sz="2400" dirty="0"/>
+              <a:t> </a:t>
+            </a:r>
+            <a:r>
+              <a:rPr lang="en-US" sz="3600" b="1" dirty="0">
+                <a:solidFill>
+                  <a:schemeClr val="accent1"/>
+                </a:solidFill>
+              </a:rPr>
+              <a:t>-</a:t>
+            </a:r>
+            <a:r>
+              <a:rPr lang="en-US" sz="2400" dirty="0"/>
+              <a:t> </a:t>
+            </a:r>
+            <a:r>
+              <a:rPr lang="en-US" sz="2400" dirty="0" smtClean="0"/>
+              <a:t>Initial weight + 25 (95 kg)</a:t>
+            </a:r>
+          </a:p>
+        </p:txBody>
+      </p:sp>
+    </p:spTree>
+    <p:extLst>
+      <p:ext uri="{BB962C8B-B14F-4D97-AF65-F5344CB8AC3E}">
+        <p14:creationId xmlns:p14="http://schemas.microsoft.com/office/powerpoint/2010/main" val="723538614"/>
+      </p:ext>
+    </p:extLst>
+  </p:cSld>
+  <p:clrMapOvr>
+    <a:masterClrMapping/>
+  </p:clrMapOvr>
+</p:sld>
+</file>
+
+<file path=ppt/slides/slide6.xml><?xml version="1.0" encoding="utf-8"?>
+<p:sld xmlns:a="http://schemas.openxmlformats.org/drawingml/2006/main" xmlns:r="http://schemas.openxmlformats.org/officeDocument/2006/relationships" xmlns:p="http://schemas.openxmlformats.org/presentationml/2006/main">
+  <p:cSld>
+    <p:spTree>
+      <p:nvGrpSpPr>
+        <p:cNvPr id="1" name=""/>
+        <p:cNvGrpSpPr/>
+        <p:nvPr/>
+      </p:nvGrpSpPr>
+      <p:grpSpPr>
+        <a:xfrm>
+          <a:off x="0" y="0"/>
+          <a:ext cx="0" cy="0"/>
+          <a:chOff x="0" y="0"/>
+          <a:chExt cx="0" cy="0"/>
+        </a:xfrm>
+      </p:grpSpPr>
       <p:sp>
         <p:nvSpPr>
           <p:cNvPr id="2" name="Title 1"/>
@@ -4381,19 +4660,28 @@
           <a:p>
             <a:r>
               <a:rPr lang="en-US" dirty="0" smtClean="0"/>
-              <a:t>Eating decreases theoretical BAC significantly</a:t>
-            </a:r>
-          </a:p>
-          <a:p>
-            <a:r>
-              <a:rPr lang="en-US" b="1" dirty="0" smtClean="0"/>
-              <a:t>Something quantitative about the impact of eating</a:t>
-            </a:r>
-          </a:p>
-          <a:p>
+              <a:t>Eating </a:t>
+            </a:r>
             <a:r>
               <a:rPr lang="en-US" dirty="0" smtClean="0"/>
-              <a:t>Three-compartment model is far more comprehensive</a:t>
+              <a:t>decreases theoretical BAC significantly</a:t>
+            </a:r>
+          </a:p>
+          <a:p>
+            <a:r>
+              <a:rPr lang="en-US" dirty="0" smtClean="0"/>
+              <a:t>According to the one compartment model, gain in 2.6 kg decreases BAC by one shot (15 g of pure ethanol)</a:t>
+            </a:r>
+            <a:endParaRPr lang="en-US" dirty="0" smtClean="0"/>
+          </a:p>
+          <a:p>
+            <a:r>
+              <a:rPr lang="en-US" dirty="0" smtClean="0"/>
+              <a:t>Three-compartment model is far more </a:t>
+            </a:r>
+            <a:r>
+              <a:rPr lang="en-US" dirty="0" smtClean="0"/>
+              <a:t>comprehensive but more finicky</a:t>
             </a:r>
             <a:endParaRPr lang="en-US" dirty="0"/>
           </a:p>

--- a/powerpoint.ppt.pptx
+++ b/powerpoint.ppt.pptx
@@ -3063,6 +3063,13 @@
   <p:clrMapOvr>
     <a:masterClrMapping/>
   </p:clrMapOvr>
+  <p:timing>
+    <p:tnLst>
+      <p:par>
+        <p:cTn id="1" dur="indefinite" restart="never" nodeType="tmRoot"/>
+      </p:par>
+    </p:tnLst>
+  </p:timing>
 </p:sld>
 </file>
 
@@ -3205,6 +3212,13 @@
   <p:clrMapOvr>
     <a:masterClrMapping/>
   </p:clrMapOvr>
+  <p:timing>
+    <p:tnLst>
+      <p:par>
+        <p:cTn id="1" dur="indefinite" restart="never" nodeType="tmRoot"/>
+      </p:par>
+    </p:tnLst>
+  </p:timing>
 </p:sld>
 </file>
 
@@ -4120,6 +4134,13 @@
   <p:clrMapOvr>
     <a:masterClrMapping/>
   </p:clrMapOvr>
+  <p:timing>
+    <p:tnLst>
+      <p:par>
+        <p:cTn id="1" dur="indefinite" restart="never" nodeType="tmRoot"/>
+      </p:par>
+    </p:tnLst>
+  </p:timing>
 </p:sld>
 </file>
 
@@ -4170,7 +4191,7 @@
       </p:sp>
       <p:pic>
         <p:nvPicPr>
-          <p:cNvPr id="4" name="Picture 3"/>
+          <p:cNvPr id="3" name="Picture 2"/>
           <p:cNvPicPr>
             <a:picLocks noChangeAspect="1"/>
           </p:cNvPicPr>
@@ -4179,18 +4200,6 @@
         <p:blipFill>
           <a:blip r:embed="rId2">
             <a:extLst>
-              <a:ext uri="{BEBA8EAE-BF5A-486C-A8C5-ECC9F3942E4B}">
-                <a14:imgProps xmlns:a14="http://schemas.microsoft.com/office/drawing/2010/main">
-                  <a14:imgLayer r:embed="rId3">
-                    <a14:imgEffect>
-                      <a14:sharpenSoften amount="50000"/>
-                    </a14:imgEffect>
-                    <a14:imgEffect>
-                      <a14:brightnessContrast contrast="20000"/>
-                    </a14:imgEffect>
-                  </a14:imgLayer>
-                </a14:imgProps>
-              </a:ext>
               <a:ext uri="{28A0092B-C50C-407E-A947-70E740481C1C}">
                 <a14:useLocalDpi xmlns:a14="http://schemas.microsoft.com/office/drawing/2010/main" val="0"/>
               </a:ext>
@@ -4202,8 +4211,8 @@
         </p:blipFill>
         <p:spPr>
           <a:xfrm>
-            <a:off x="838200" y="1337669"/>
-            <a:ext cx="10938878" cy="4871937"/>
+            <a:off x="838200" y="1504421"/>
+            <a:ext cx="10122260" cy="4751523"/>
           </a:xfrm>
           <a:prstGeom prst="rect">
             <a:avLst/>
@@ -4235,7 +4244,7 @@
             <a:r>
               <a:rPr lang="en-US" sz="3600" b="1" dirty="0" smtClean="0">
                 <a:solidFill>
-                  <a:srgbClr val="92D050"/>
+                  <a:schemeClr val="accent1"/>
                 </a:solidFill>
               </a:rPr>
               <a:t>-</a:t>
@@ -4254,7 +4263,7 @@
             <a:r>
               <a:rPr lang="en-US" sz="3600" b="1" dirty="0" smtClean="0">
                 <a:solidFill>
-                  <a:schemeClr val="accent1"/>
+                  <a:schemeClr val="accent6"/>
                 </a:solidFill>
               </a:rPr>
               <a:t>-</a:t>
@@ -4327,6 +4336,13 @@
   <p:clrMapOvr>
     <a:masterClrMapping/>
   </p:clrMapOvr>
+  <p:timing>
+    <p:tnLst>
+      <p:par>
+        <p:cTn id="1" dur="indefinite" restart="never" nodeType="tmRoot"/>
+      </p:par>
+    </p:tnLst>
+  </p:timing>
 </p:sld>
 </file>
 
@@ -4600,6 +4616,13 @@
   <p:clrMapOvr>
     <a:masterClrMapping/>
   </p:clrMapOvr>
+  <p:timing>
+    <p:tnLst>
+      <p:par>
+        <p:cTn id="1" dur="indefinite" restart="never" nodeType="tmRoot"/>
+      </p:par>
+    </p:tnLst>
+  </p:timing>
 </p:sld>
 </file>
 
@@ -4660,11 +4683,7 @@
           <a:p>
             <a:r>
               <a:rPr lang="en-US" dirty="0" smtClean="0"/>
-              <a:t>Eating </a:t>
-            </a:r>
-            <a:r>
-              <a:rPr lang="en-US" dirty="0" smtClean="0"/>
-              <a:t>decreases theoretical BAC significantly</a:t>
+              <a:t>Eating decreases theoretical BAC significantly</a:t>
             </a:r>
           </a:p>
           <a:p>
@@ -4672,16 +4691,11 @@
               <a:rPr lang="en-US" dirty="0" smtClean="0"/>
               <a:t>According to the one compartment model, gain in 2.6 kg decreases BAC by one shot (15 g of pure ethanol)</a:t>
             </a:r>
-            <a:endParaRPr lang="en-US" dirty="0" smtClean="0"/>
           </a:p>
           <a:p>
             <a:r>
               <a:rPr lang="en-US" dirty="0" smtClean="0"/>
-              <a:t>Three-compartment model is far more </a:t>
-            </a:r>
-            <a:r>
-              <a:rPr lang="en-US" dirty="0" smtClean="0"/>
-              <a:t>comprehensive but more finicky</a:t>
+              <a:t>Three-compartment model is far more comprehensive but more finicky</a:t>
             </a:r>
             <a:endParaRPr lang="en-US" dirty="0"/>
           </a:p>
@@ -4700,6 +4714,13 @@
   <p:clrMapOvr>
     <a:masterClrMapping/>
   </p:clrMapOvr>
+  <p:timing>
+    <p:tnLst>
+      <p:par>
+        <p:cTn id="1" dur="indefinite" restart="never" nodeType="tmRoot"/>
+      </p:par>
+    </p:tnLst>
+  </p:timing>
 </p:sld>
 </file>
 
